--- a/DataBases/Presentations/Entity-Framework-Code-First.pptx
+++ b/DataBases/Presentations/Entity-Framework-Code-First.pptx
@@ -400,7 +400,7 @@
             <a:fld id="{3BF7C7B5-275F-4D1F-9AB4-9255447DBC73}" type="datetimeFigureOut">
               <a:rPr lang="en-US"/>
               <a:pPr/>
-              <a:t>7/14/2013</a:t>
+              <a:t>7/15/2013</a:t>
             </a:fld>
             <a:endParaRPr lang="en-US" dirty="0"/>
           </a:p>
@@ -631,7 +631,7 @@
             <a:fld id="{9B46F231-FB2B-4655-A644-E2477325E686}" type="datetimeFigureOut">
               <a:rPr lang="en-US"/>
               <a:pPr/>
-              <a:t>7/14/2013</a:t>
+              <a:t>7/15/2013</a:t>
             </a:fld>
             <a:endParaRPr lang="en-US" dirty="0"/>
           </a:p>
@@ -8026,14 +8026,6 @@
               </a:rPr>
               <a:t>DbContext</a:t>
             </a:r>
-            <a:endParaRPr lang="en-US" dirty="0">
-              <a:solidFill>
-                <a:schemeClr val="accent5">
-                  <a:lumMod val="20000"/>
-                  <a:lumOff val="80000"/>
-                </a:schemeClr>
-              </a:solidFill>
-            </a:endParaRPr>
           </a:p>
           <a:p>
             <a:pPr lvl="1"/>
@@ -8100,15 +8092,7 @@
             <a:pPr lvl="1"/>
             <a:r>
               <a:rPr lang="en-US" dirty="0" smtClean="0"/>
-              <a:t>Don't forget to reference the </a:t>
-            </a:r>
-            <a:r>
-              <a:rPr lang="en-US" dirty="0" smtClean="0"/>
-              <a:t>Entity Framework </a:t>
-            </a:r>
-            <a:r>
-              <a:rPr lang="en-US" dirty="0" smtClean="0"/>
-              <a:t>library (using </a:t>
+              <a:t>Don't forget to reference the Entity Framework library (using </a:t>
             </a:r>
             <a:r>
               <a:rPr lang="en-US" dirty="0" err="1" smtClean="0"/>
@@ -8118,7 +8102,6 @@
               <a:rPr lang="en-US" dirty="0" smtClean="0"/>
               <a:t> package manager)</a:t>
             </a:r>
-            <a:endParaRPr lang="en-US" dirty="0" smtClean="0"/>
           </a:p>
           <a:p>
             <a:r>
@@ -8483,24 +8466,7 @@
                 <a:latin typeface="Consolas" pitchFamily="49" charset="0"/>
                 <a:cs typeface="Consolas" pitchFamily="49" charset="0"/>
               </a:rPr>
-              <a:t>ublic </a:t>
-            </a:r>
-            <a:r>
-              <a:rPr lang="en-US" sz="2000" b="1" noProof="1" smtClean="0">
-                <a:solidFill>
-                  <a:srgbClr val="8CF4F2"/>
-                </a:solidFill>
-                <a:effectLst>
-                  <a:outerShdw blurRad="38100" dist="38100" dir="2700000" algn="tl">
-                    <a:srgbClr val="000000">
-                      <a:alpha val="43137"/>
-                    </a:srgbClr>
-                  </a:outerShdw>
-                </a:effectLst>
-                <a:latin typeface="Consolas" pitchFamily="49" charset="0"/>
-                <a:cs typeface="Consolas" pitchFamily="49" charset="0"/>
-              </a:rPr>
-              <a:t>DbSet&lt;Post</a:t>
+              <a:t>ublic DbSet&lt;Post</a:t>
             </a:r>
             <a:r>
               <a:rPr lang="en-US" sz="2000" b="1" noProof="1">
@@ -9005,7 +8971,41 @@
                 <a:latin typeface="Consolas" pitchFamily="49" charset="0"/>
                 <a:cs typeface="Consolas" pitchFamily="49" charset="0"/>
               </a:rPr>
-              <a:t>    public DbSet&lt;PostAnswer&gt; PostAnswer { get; set; }</a:t>
+              <a:t>    public DbSet&lt;PostAnswer&gt; </a:t>
+            </a:r>
+            <a:r>
+              <a:rPr lang="en-US" sz="2000" b="1" noProof="1" smtClean="0">
+                <a:solidFill>
+                  <a:srgbClr val="8CF4F2"/>
+                </a:solidFill>
+                <a:effectLst>
+                  <a:outerShdw blurRad="38100" dist="38100" dir="2700000" algn="tl">
+                    <a:srgbClr val="000000">
+                      <a:alpha val="43137"/>
+                    </a:srgbClr>
+                  </a:outerShdw>
+                </a:effectLst>
+                <a:latin typeface="Consolas" pitchFamily="49" charset="0"/>
+                <a:cs typeface="Consolas" pitchFamily="49" charset="0"/>
+              </a:rPr>
+              <a:t>PostAnswers </a:t>
+            </a:r>
+            <a:r>
+              <a:rPr lang="en-US" sz="2000" b="1" noProof="1">
+                <a:solidFill>
+                  <a:srgbClr val="8CF4F2"/>
+                </a:solidFill>
+                <a:effectLst>
+                  <a:outerShdw blurRad="38100" dist="38100" dir="2700000" algn="tl">
+                    <a:srgbClr val="000000">
+                      <a:alpha val="43137"/>
+                    </a:srgbClr>
+                  </a:outerShdw>
+                </a:effectLst>
+                <a:latin typeface="Consolas" pitchFamily="49" charset="0"/>
+                <a:cs typeface="Consolas" pitchFamily="49" charset="0"/>
+              </a:rPr>
+              <a:t>{ get; set; }</a:t>
             </a:r>
           </a:p>
           <a:p>
@@ -10510,15 +10510,7 @@
             </a:r>
             <a:r>
               <a:rPr lang="en-US" dirty="0" smtClean="0"/>
-              <a:t> file contains link to default connection </a:t>
-            </a:r>
-            <a:r>
-              <a:rPr lang="en-US" dirty="0" smtClean="0"/>
-              <a:t>factory </a:t>
-            </a:r>
-            <a:r>
-              <a:rPr lang="en-US" dirty="0" smtClean="0"/>
-              <a:t>that creates local </a:t>
+              <a:t> file contains link to default connection factory that creates local </a:t>
             </a:r>
             <a:r>
               <a:rPr lang="en-US" dirty="0" err="1" smtClean="0"/>
@@ -10561,11 +10553,7 @@
           <a:p>
             <a:r>
               <a:rPr lang="en-US" dirty="0" smtClean="0"/>
-              <a:t>Server </a:t>
-            </a:r>
-            <a:r>
-              <a:rPr lang="en-US" dirty="0" smtClean="0"/>
-              <a:t>name </a:t>
+              <a:t>Server name </a:t>
             </a:r>
             <a:r>
               <a:rPr lang="en-US" dirty="0"/>
@@ -10606,7 +10594,11 @@
                   </a:schemeClr>
                 </a:solidFill>
               </a:rPr>
-              <a:t>)\</a:t>
+              <a:t>)\v11.0</a:t>
+            </a:r>
+            <a:r>
+              <a:rPr lang="en-US" dirty="0" smtClean="0"/>
+              <a:t> or </a:t>
             </a:r>
             <a:r>
               <a:rPr lang="en-US" dirty="0">
@@ -10617,31 +10609,8 @@
                   </a:schemeClr>
                 </a:solidFill>
               </a:rPr>
-              <a:t>v11.0</a:t>
-            </a:r>
-            <a:r>
-              <a:rPr lang="en-US" dirty="0" smtClean="0"/>
-              <a:t> or </a:t>
-            </a:r>
-            <a:r>
-              <a:rPr lang="en-US" dirty="0">
-                <a:solidFill>
-                  <a:schemeClr val="accent5">
-                    <a:lumMod val="20000"/>
-                    <a:lumOff val="80000"/>
-                  </a:schemeClr>
-                </a:solidFill>
-              </a:rPr>
               <a:t>.\SQLEXPRESS.[full-class-name]</a:t>
             </a:r>
-            <a:endParaRPr lang="en-US" dirty="0">
-              <a:solidFill>
-                <a:schemeClr val="accent5">
-                  <a:lumMod val="20000"/>
-                  <a:lumOff val="80000"/>
-                </a:schemeClr>
-              </a:solidFill>
-            </a:endParaRPr>
           </a:p>
           <a:p>
             <a:pPr lvl="1"/>
@@ -11869,14 +11838,6 @@
               </a:rPr>
               <a:t> </a:t>
             </a:r>
-            <a:endParaRPr lang="en-US" dirty="0">
-              <a:solidFill>
-                <a:schemeClr val="accent5">
-                  <a:lumMod val="20000"/>
-                  <a:lumOff val="80000"/>
-                </a:schemeClr>
-              </a:solidFill>
-            </a:endParaRPr>
           </a:p>
         </p:txBody>
       </p:sp>
@@ -11950,20 +11911,6 @@
               </a:rPr>
               <a:t>Server address might be .\SQLEXPRESS</a:t>
             </a:r>
-            <a:endParaRPr lang="en-US" sz="2200" b="1" noProof="1" smtClean="0">
-              <a:solidFill>
-                <a:srgbClr val="F7FFE7"/>
-              </a:solidFill>
-              <a:effectLst>
-                <a:outerShdw blurRad="38100" dist="38100" dir="2700000" algn="tl">
-                  <a:srgbClr val="000000">
-                    <a:alpha val="43137"/>
-                  </a:srgbClr>
-                </a:outerShdw>
-              </a:effectLst>
-              <a:latin typeface="+mn-lt"/>
-              <a:cs typeface="Consolas" pitchFamily="49" charset="0"/>
-            </a:endParaRPr>
           </a:p>
         </p:txBody>
       </p:sp>
@@ -12130,17 +12077,8 @@
           <a:p>
             <a:r>
               <a:rPr lang="en-US" dirty="0" smtClean="0"/>
-              <a:t>Code </a:t>
-            </a:r>
-            <a:r>
-              <a:rPr lang="en-US" dirty="0" smtClean="0"/>
-              <a:t>First </a:t>
-            </a:r>
-            <a:r>
-              <a:rPr lang="en-US" dirty="0" smtClean="0"/>
-              <a:t>Main Parts</a:t>
-            </a:r>
-            <a:endParaRPr lang="en-US" dirty="0" smtClean="0"/>
+              <a:t>Code First Main Parts</a:t>
+            </a:r>
           </a:p>
           <a:p>
             <a:pPr lvl="1"/>
@@ -12167,7 +12105,6 @@
               <a:rPr lang="en-US" dirty="0" smtClean="0"/>
               <a:t>Database connection</a:t>
             </a:r>
-            <a:endParaRPr lang="en-US" dirty="0" smtClean="0"/>
           </a:p>
           <a:p>
             <a:r>
@@ -12184,7 +12121,6 @@
               <a:rPr lang="en-US" dirty="0" smtClean="0"/>
               <a:t>Migrations</a:t>
             </a:r>
-            <a:endParaRPr lang="en-US" dirty="0" smtClean="0"/>
           </a:p>
           <a:p>
             <a:r>
@@ -12202,7 +12138,6 @@
               <a:rPr lang="en-US" dirty="0" smtClean="0"/>
               <a:t>Data Annotations and Fluent API</a:t>
             </a:r>
-            <a:endParaRPr lang="en-US" dirty="0" smtClean="0"/>
           </a:p>
         </p:txBody>
       </p:sp>
@@ -14806,27 +14741,8 @@
                   </a:schemeClr>
                 </a:solidFill>
               </a:rPr>
-              <a:t> </a:t>
-            </a:r>
-            <a:r>
-              <a:rPr lang="en-US" dirty="0">
-                <a:solidFill>
-                  <a:schemeClr val="accent5">
-                    <a:lumMod val="20000"/>
-                    <a:lumOff val="80000"/>
-                  </a:schemeClr>
-                </a:solidFill>
-              </a:rPr>
-              <a:t>= true;</a:t>
-            </a:r>
-            <a:endParaRPr lang="en-US" dirty="0">
-              <a:solidFill>
-                <a:schemeClr val="accent5">
-                  <a:lumMod val="20000"/>
-                  <a:lumOff val="80000"/>
-                </a:schemeClr>
-              </a:solidFill>
-            </a:endParaRPr>
+              <a:t> = true;</a:t>
+            </a:r>
           </a:p>
           <a:p>
             <a:pPr lvl="1">
@@ -15419,20 +15335,6 @@
               </a:rPr>
               <a:t>, Configuration&gt;());</a:t>
             </a:r>
-            <a:endParaRPr lang="en-US" sz="2000" b="1" noProof="1">
-              <a:solidFill>
-                <a:srgbClr val="8CF4F2"/>
-              </a:solidFill>
-              <a:effectLst>
-                <a:outerShdw blurRad="38100" dist="38100" dir="2700000" algn="tl">
-                  <a:srgbClr val="000000">
-                    <a:alpha val="43137"/>
-                  </a:srgbClr>
-                </a:outerShdw>
-              </a:effectLst>
-              <a:latin typeface="Consolas" pitchFamily="49" charset="0"/>
-              <a:cs typeface="Consolas" pitchFamily="49" charset="0"/>
-            </a:endParaRPr>
           </a:p>
         </p:txBody>
       </p:sp>
@@ -15765,20 +15667,6 @@
               </a:rPr>
               <a:t>This will allow us to delete or change properties</a:t>
             </a:r>
-            <a:endParaRPr lang="en-US" sz="2200" b="1" noProof="1" smtClean="0">
-              <a:solidFill>
-                <a:srgbClr val="F7FFE7"/>
-              </a:solidFill>
-              <a:effectLst>
-                <a:outerShdw blurRad="38100" dist="38100" dir="2700000" algn="tl">
-                  <a:srgbClr val="000000">
-                    <a:alpha val="43137"/>
-                  </a:srgbClr>
-                </a:outerShdw>
-              </a:effectLst>
-              <a:latin typeface="+mn-lt"/>
-              <a:cs typeface="Consolas" pitchFamily="49" charset="0"/>
-            </a:endParaRPr>
           </a:p>
         </p:txBody>
       </p:sp>
@@ -16066,24 +15954,7 @@
                 <a:latin typeface="Consolas" pitchFamily="49" charset="0"/>
                 <a:cs typeface="Consolas" pitchFamily="49" charset="0"/>
               </a:rPr>
-              <a:t>protected override </a:t>
-            </a:r>
-            <a:r>
-              <a:rPr lang="en-US" sz="2000" b="1" noProof="1">
-                <a:solidFill>
-                  <a:srgbClr val="8CF4F2"/>
-                </a:solidFill>
-                <a:effectLst>
-                  <a:outerShdw blurRad="38100" dist="38100" dir="2700000" algn="tl">
-                    <a:srgbClr val="000000">
-                      <a:alpha val="43137"/>
-                    </a:srgbClr>
-                  </a:outerShdw>
-                </a:effectLst>
-                <a:latin typeface="Consolas" pitchFamily="49" charset="0"/>
-                <a:cs typeface="Consolas" pitchFamily="49" charset="0"/>
-              </a:rPr>
-              <a:t>void </a:t>
+              <a:t>protected override void </a:t>
             </a:r>
             <a:r>
               <a:rPr lang="en-US" sz="2000" b="1" noProof="1" smtClean="0">
@@ -16213,24 +16084,7 @@
                 <a:latin typeface="Consolas" pitchFamily="49" charset="0"/>
                 <a:cs typeface="Consolas" pitchFamily="49" charset="0"/>
               </a:rPr>
-              <a:t>method will be called after </a:t>
-            </a:r>
-            <a:r>
-              <a:rPr lang="en-US" sz="2000" b="1" noProof="1">
-                <a:solidFill>
-                  <a:srgbClr val="8CF4F2"/>
-                </a:solidFill>
-                <a:effectLst>
-                  <a:outerShdw blurRad="38100" dist="38100" dir="2700000" algn="tl">
-                    <a:srgbClr val="000000">
-                      <a:alpha val="43137"/>
-                    </a:srgbClr>
-                  </a:outerShdw>
-                </a:effectLst>
-                <a:latin typeface="Consolas" pitchFamily="49" charset="0"/>
-                <a:cs typeface="Consolas" pitchFamily="49" charset="0"/>
-              </a:rPr>
-              <a:t>migrating </a:t>
+              <a:t>method will be called after migrating </a:t>
             </a:r>
             <a:r>
               <a:rPr lang="en-US" sz="2000" b="1" noProof="1" smtClean="0">
@@ -16346,24 +16200,7 @@
                 <a:latin typeface="Consolas" pitchFamily="49" charset="0"/>
                 <a:cs typeface="Consolas" pitchFamily="49" charset="0"/>
               </a:rPr>
-              <a:t>can </a:t>
-            </a:r>
-            <a:r>
-              <a:rPr lang="en-US" sz="2000" b="1" noProof="1">
-                <a:solidFill>
-                  <a:srgbClr val="8CF4F2"/>
-                </a:solidFill>
-                <a:effectLst>
-                  <a:outerShdw blurRad="38100" dist="38100" dir="2700000" algn="tl">
-                    <a:srgbClr val="000000">
-                      <a:alpha val="43137"/>
-                    </a:srgbClr>
-                  </a:outerShdw>
-                </a:effectLst>
-                <a:latin typeface="Consolas" pitchFamily="49" charset="0"/>
-                <a:cs typeface="Consolas" pitchFamily="49" charset="0"/>
-              </a:rPr>
-              <a:t>use </a:t>
+              <a:t>can use </a:t>
             </a:r>
             <a:r>
               <a:rPr lang="en-US" sz="2000" b="1" noProof="1" smtClean="0">
@@ -16510,24 +16347,7 @@
                 <a:latin typeface="Consolas" pitchFamily="49" charset="0"/>
                 <a:cs typeface="Consolas" pitchFamily="49" charset="0"/>
               </a:rPr>
-              <a:t>avoid creating duplicate seed data. </a:t>
-            </a:r>
-            <a:r>
-              <a:rPr lang="en-US" sz="2000" b="1" noProof="1">
-                <a:solidFill>
-                  <a:srgbClr val="8CF4F2"/>
-                </a:solidFill>
-                <a:effectLst>
-                  <a:outerShdw blurRad="38100" dist="38100" dir="2700000" algn="tl">
-                    <a:srgbClr val="000000">
-                      <a:alpha val="43137"/>
-                    </a:srgbClr>
-                  </a:outerShdw>
-                </a:effectLst>
-                <a:latin typeface="Consolas" pitchFamily="49" charset="0"/>
-                <a:cs typeface="Consolas" pitchFamily="49" charset="0"/>
-              </a:rPr>
-              <a:t>E.g</a:t>
+              <a:t>avoid creating duplicate seed data. E.g</a:t>
             </a:r>
             <a:r>
               <a:rPr lang="en-US" sz="2000" b="1" noProof="1" smtClean="0">
@@ -16702,24 +16522,7 @@
                 <a:latin typeface="Consolas" pitchFamily="49" charset="0"/>
                 <a:cs typeface="Consolas" pitchFamily="49" charset="0"/>
               </a:rPr>
-              <a:t>форум</a:t>
-            </a:r>
-            <a:r>
-              <a:rPr lang="bg-BG" sz="2000" b="1" noProof="1">
-                <a:solidFill>
-                  <a:srgbClr val="8CF4F2"/>
-                </a:solidFill>
-                <a:effectLst>
-                  <a:outerShdw blurRad="38100" dist="38100" dir="2700000" algn="tl">
-                    <a:srgbClr val="000000">
-                      <a:alpha val="43137"/>
-                    </a:srgbClr>
-                  </a:outerShdw>
-                </a:effectLst>
-                <a:latin typeface="Consolas" pitchFamily="49" charset="0"/>
-                <a:cs typeface="Consolas" pitchFamily="49" charset="0"/>
-              </a:rPr>
-              <a:t>" </a:t>
+              <a:t>форум" </a:t>
             </a:r>
             <a:r>
               <a:rPr lang="bg-BG" sz="2000" b="1" noProof="1" smtClean="0">
@@ -18508,20 +18311,6 @@
               </a:rPr>
               <a:t>}</a:t>
             </a:r>
-            <a:endParaRPr lang="en-US" sz="2000" b="1" noProof="1">
-              <a:solidFill>
-                <a:srgbClr val="8CF4F2"/>
-              </a:solidFill>
-              <a:effectLst>
-                <a:outerShdw blurRad="38100" dist="38100" dir="2700000" algn="tl">
-                  <a:srgbClr val="000000">
-                    <a:alpha val="43137"/>
-                  </a:srgbClr>
-                </a:outerShdw>
-              </a:effectLst>
-              <a:latin typeface="Consolas" pitchFamily="49" charset="0"/>
-              <a:cs typeface="Consolas" pitchFamily="49" charset="0"/>
-            </a:endParaRPr>
           </a:p>
         </p:txBody>
       </p:sp>
@@ -18889,15 +18678,7 @@
           <a:effectLst>
             <a:reflection blurRad="12700" stA="38000" endPos="28000" dist="5000" dir="5400000" sy="-100000" algn="bl" rotWithShape="0"/>
           </a:effectLst>
-          <a:extLst>
-            <a:ext uri="{909E8E84-426E-40DD-AFC4-6F175D3DCCD1}">
-              <a14:hiddenFill xmlns:a14="http://schemas.microsoft.com/office/drawing/2010/main">
-                <a:solidFill>
-                  <a:srgbClr val="FFFFFF"/>
-                </a:solidFill>
-              </a14:hiddenFill>
-            </a:ext>
-          </a:extLst>
+          <a:extLst/>
         </p:spPr>
       </p:pic>
     </p:spTree>
@@ -19205,13 +18986,8 @@
             </a:pPr>
             <a:r>
               <a:rPr lang="en-US" dirty="0" smtClean="0"/>
-              <a:t>Annotate the data models with the appropriate </a:t>
-            </a:r>
-            <a:r>
-              <a:rPr lang="en-US" dirty="0" smtClean="0"/>
-              <a:t>attributes and enable code first migrations</a:t>
-            </a:r>
-            <a:endParaRPr lang="en-US" dirty="0" smtClean="0"/>
+              <a:t>Annotate the data models with the appropriate attributes and enable code first migrations</a:t>
+            </a:r>
           </a:p>
           <a:p>
             <a:pPr marL="514350" indent="-514350">
@@ -22289,7 +22065,6 @@
               <a:rPr lang="en-US" dirty="0" smtClean="0"/>
               <a:t>XML or create database models</a:t>
             </a:r>
-            <a:endParaRPr lang="en-US" dirty="0" smtClean="0"/>
           </a:p>
           <a:p>
             <a:r>
@@ -22370,11 +22145,7 @@
             </a:r>
             <a:r>
               <a:rPr lang="en-US" dirty="0" smtClean="0"/>
-              <a:t>, etc</a:t>
-            </a:r>
-            <a:r>
-              <a:rPr lang="en-US" dirty="0" smtClean="0"/>
-              <a:t>.)</a:t>
+              <a:t>, etc.)</a:t>
             </a:r>
             <a:endParaRPr lang="en-US" dirty="0"/>
           </a:p>
@@ -22471,11 +22242,7 @@
           <a:p>
             <a:r>
               <a:rPr lang="en-US" dirty="0" smtClean="0"/>
-              <a:t>Code First </a:t>
-            </a:r>
-            <a:r>
-              <a:rPr lang="en-US" dirty="0" smtClean="0"/>
-              <a:t>Main Parts</a:t>
+              <a:t>Code First Main Parts</a:t>
             </a:r>
             <a:endParaRPr lang="en-US" dirty="0"/>
           </a:p>
